--- a/Vendor_Boards/Great_Cow_Basic_Demo_Board/16F17126_chiprange_demonstrations/tutorials/Great Cow BASIC_Part3.pptx
+++ b/Vendor_Boards/Great_Cow_Basic_Demo_Board/16F17126_chiprange_demonstrations/tutorials/Great Cow BASIC_Part3.pptx
@@ -6588,7 +6588,7 @@
         </p:nvSpPr>
         <p:spPr>
           <a:xfrm>
-            <a:off x="2" y="1"/>
+            <a:off x="2" y="40309"/>
             <a:ext cx="8229601" cy="857250"/>
           </a:xfrm>
         </p:spPr>
@@ -6617,7 +6617,7 @@
         </p:nvSpPr>
         <p:spPr>
           <a:xfrm>
-            <a:off x="395538" y="1081186"/>
+            <a:off x="395538" y="1121494"/>
             <a:ext cx="8229601" cy="3394472"/>
           </a:xfrm>
         </p:spPr>
@@ -6721,7 +6721,7 @@
         </p:blipFill>
         <p:spPr bwMode="auto">
           <a:xfrm>
-            <a:off x="5940152" y="195486"/>
+            <a:off x="5940152" y="235794"/>
             <a:ext cx="1800994" cy="1719957"/>
           </a:xfrm>
           <a:prstGeom prst="rect">
@@ -6747,7 +6747,7 @@
         </p:blipFill>
         <p:spPr bwMode="auto">
           <a:xfrm>
-            <a:off x="7303933" y="1779662"/>
+            <a:off x="7303933" y="1819970"/>
             <a:ext cx="1840067" cy="1421283"/>
           </a:xfrm>
           <a:prstGeom prst="rect">
